--- a/2/pool.pptx
+++ b/2/pool.pptx
@@ -5,10 +5,10 @@
     <p:sldMasterId id="2147483648" r:id="rId1"/>
   </p:sldMasterIdLst>
   <p:notesMasterIdLst>
-    <p:notesMasterId r:id="rId30"/>
+    <p:notesMasterId r:id="rId33"/>
   </p:notesMasterIdLst>
   <p:handoutMasterIdLst>
-    <p:handoutMasterId r:id="rId31"/>
+    <p:handoutMasterId r:id="rId34"/>
   </p:handoutMasterIdLst>
   <p:sldIdLst>
     <p:sldId id="474" r:id="rId2"/>
@@ -38,7 +38,10 @@
     <p:sldId id="500" r:id="rId26"/>
     <p:sldId id="501" r:id="rId27"/>
     <p:sldId id="502" r:id="rId28"/>
-    <p:sldId id="503" r:id="rId29"/>
+    <p:sldId id="504" r:id="rId29"/>
+    <p:sldId id="505" r:id="rId30"/>
+    <p:sldId id="506" r:id="rId31"/>
+    <p:sldId id="503" r:id="rId32"/>
   </p:sldIdLst>
   <p:sldSz cx="24384000" cy="13716000"/>
   <p:notesSz cx="6858000" cy="9144000"/>
@@ -432,7 +435,7 @@
           <a:p>
             <a:fld id="{0F9B84EA-7D68-4D60-9CB1-D50884785D1C}" type="datetimeFigureOut">
               <a:rPr lang="zh-CN" altLang="en-US" smtClean="0"/>
-              <a:t>2022/2/16</a:t>
+              <a:t>2022/2/17</a:t>
             </a:fld>
             <a:endParaRPr lang="zh-CN" altLang="en-US"/>
           </a:p>
@@ -1876,6 +1879,204 @@
 </p:notes>
 </file>
 
+<file path=ppt/notesSlides/notesSlide26.xml><?xml version="1.0" encoding="utf-8"?>
+<p:notes xmlns:a="http://schemas.openxmlformats.org/drawingml/2006/main" xmlns:r="http://schemas.openxmlformats.org/officeDocument/2006/relationships" xmlns:p="http://schemas.openxmlformats.org/presentationml/2006/main">
+  <p:cSld>
+    <p:spTree>
+      <p:nvGrpSpPr>
+        <p:cNvPr id="1" name=""/>
+        <p:cNvGrpSpPr/>
+        <p:nvPr/>
+      </p:nvGrpSpPr>
+      <p:grpSpPr>
+        <a:xfrm>
+          <a:off x="0" y="0"/>
+          <a:ext cx="0" cy="0"/>
+          <a:chOff x="0" y="0"/>
+          <a:chExt cx="0" cy="0"/>
+        </a:xfrm>
+      </p:grpSpPr>
+      <p:sp>
+        <p:nvSpPr>
+          <p:cNvPr id="2" name="幻灯片图像占位符 1"/>
+          <p:cNvSpPr>
+            <a:spLocks noGrp="1" noRot="1" noChangeAspect="1"/>
+          </p:cNvSpPr>
+          <p:nvPr>
+            <p:ph type="sldImg"/>
+          </p:nvPr>
+        </p:nvSpPr>
+        <p:spPr>
+          <a:xfrm>
+            <a:off x="381000" y="685800"/>
+            <a:ext cx="6096000" cy="3429000"/>
+          </a:xfrm>
+        </p:spPr>
+      </p:sp>
+      <p:sp>
+        <p:nvSpPr>
+          <p:cNvPr id="3" name="文本占位符 2"/>
+          <p:cNvSpPr>
+            <a:spLocks noGrp="1"/>
+          </p:cNvSpPr>
+          <p:nvPr>
+            <p:ph type="body" idx="1"/>
+          </p:nvPr>
+        </p:nvSpPr>
+        <p:spPr/>
+        <p:txBody>
+          <a:bodyPr/>
+          <a:lstStyle/>
+          <a:p>
+            <a:endParaRPr lang="zh-CN" altLang="en-US"/>
+          </a:p>
+        </p:txBody>
+      </p:sp>
+    </p:spTree>
+    <p:extLst>
+      <p:ext uri="{BB962C8B-B14F-4D97-AF65-F5344CB8AC3E}">
+        <p14:creationId xmlns:p14="http://schemas.microsoft.com/office/powerpoint/2010/main" val="4035832364"/>
+      </p:ext>
+    </p:extLst>
+  </p:cSld>
+  <p:clrMapOvr>
+    <a:masterClrMapping/>
+  </p:clrMapOvr>
+</p:notes>
+</file>
+
+<file path=ppt/notesSlides/notesSlide27.xml><?xml version="1.0" encoding="utf-8"?>
+<p:notes xmlns:a="http://schemas.openxmlformats.org/drawingml/2006/main" xmlns:r="http://schemas.openxmlformats.org/officeDocument/2006/relationships" xmlns:p="http://schemas.openxmlformats.org/presentationml/2006/main">
+  <p:cSld>
+    <p:spTree>
+      <p:nvGrpSpPr>
+        <p:cNvPr id="1" name=""/>
+        <p:cNvGrpSpPr/>
+        <p:nvPr/>
+      </p:nvGrpSpPr>
+      <p:grpSpPr>
+        <a:xfrm>
+          <a:off x="0" y="0"/>
+          <a:ext cx="0" cy="0"/>
+          <a:chOff x="0" y="0"/>
+          <a:chExt cx="0" cy="0"/>
+        </a:xfrm>
+      </p:grpSpPr>
+      <p:sp>
+        <p:nvSpPr>
+          <p:cNvPr id="2" name="幻灯片图像占位符 1"/>
+          <p:cNvSpPr>
+            <a:spLocks noGrp="1" noRot="1" noChangeAspect="1"/>
+          </p:cNvSpPr>
+          <p:nvPr>
+            <p:ph type="sldImg"/>
+          </p:nvPr>
+        </p:nvSpPr>
+        <p:spPr>
+          <a:xfrm>
+            <a:off x="381000" y="685800"/>
+            <a:ext cx="6096000" cy="3429000"/>
+          </a:xfrm>
+        </p:spPr>
+      </p:sp>
+      <p:sp>
+        <p:nvSpPr>
+          <p:cNvPr id="3" name="文本占位符 2"/>
+          <p:cNvSpPr>
+            <a:spLocks noGrp="1"/>
+          </p:cNvSpPr>
+          <p:nvPr>
+            <p:ph type="body" idx="1"/>
+          </p:nvPr>
+        </p:nvSpPr>
+        <p:spPr/>
+        <p:txBody>
+          <a:bodyPr/>
+          <a:lstStyle/>
+          <a:p>
+            <a:endParaRPr lang="zh-CN" altLang="en-US"/>
+          </a:p>
+        </p:txBody>
+      </p:sp>
+    </p:spTree>
+    <p:extLst>
+      <p:ext uri="{BB962C8B-B14F-4D97-AF65-F5344CB8AC3E}">
+        <p14:creationId xmlns:p14="http://schemas.microsoft.com/office/powerpoint/2010/main" val="1483355227"/>
+      </p:ext>
+    </p:extLst>
+  </p:cSld>
+  <p:clrMapOvr>
+    <a:masterClrMapping/>
+  </p:clrMapOvr>
+</p:notes>
+</file>
+
+<file path=ppt/notesSlides/notesSlide28.xml><?xml version="1.0" encoding="utf-8"?>
+<p:notes xmlns:a="http://schemas.openxmlformats.org/drawingml/2006/main" xmlns:r="http://schemas.openxmlformats.org/officeDocument/2006/relationships" xmlns:p="http://schemas.openxmlformats.org/presentationml/2006/main">
+  <p:cSld>
+    <p:spTree>
+      <p:nvGrpSpPr>
+        <p:cNvPr id="1" name=""/>
+        <p:cNvGrpSpPr/>
+        <p:nvPr/>
+      </p:nvGrpSpPr>
+      <p:grpSpPr>
+        <a:xfrm>
+          <a:off x="0" y="0"/>
+          <a:ext cx="0" cy="0"/>
+          <a:chOff x="0" y="0"/>
+          <a:chExt cx="0" cy="0"/>
+        </a:xfrm>
+      </p:grpSpPr>
+      <p:sp>
+        <p:nvSpPr>
+          <p:cNvPr id="2" name="幻灯片图像占位符 1"/>
+          <p:cNvSpPr>
+            <a:spLocks noGrp="1" noRot="1" noChangeAspect="1"/>
+          </p:cNvSpPr>
+          <p:nvPr>
+            <p:ph type="sldImg"/>
+          </p:nvPr>
+        </p:nvSpPr>
+        <p:spPr>
+          <a:xfrm>
+            <a:off x="381000" y="685800"/>
+            <a:ext cx="6096000" cy="3429000"/>
+          </a:xfrm>
+        </p:spPr>
+      </p:sp>
+      <p:sp>
+        <p:nvSpPr>
+          <p:cNvPr id="3" name="文本占位符 2"/>
+          <p:cNvSpPr>
+            <a:spLocks noGrp="1"/>
+          </p:cNvSpPr>
+          <p:nvPr>
+            <p:ph type="body" idx="1"/>
+          </p:nvPr>
+        </p:nvSpPr>
+        <p:spPr/>
+        <p:txBody>
+          <a:bodyPr/>
+          <a:lstStyle/>
+          <a:p>
+            <a:endParaRPr lang="zh-CN" altLang="en-US"/>
+          </a:p>
+        </p:txBody>
+      </p:sp>
+    </p:spTree>
+    <p:extLst>
+      <p:ext uri="{BB962C8B-B14F-4D97-AF65-F5344CB8AC3E}">
+        <p14:creationId xmlns:p14="http://schemas.microsoft.com/office/powerpoint/2010/main" val="3986450396"/>
+      </p:ext>
+    </p:extLst>
+  </p:cSld>
+  <p:clrMapOvr>
+    <a:masterClrMapping/>
+  </p:clrMapOvr>
+</p:notes>
+</file>
+
 <file path=ppt/notesSlides/notesSlide3.xml><?xml version="1.0" encoding="utf-8"?>
 <p:notes xmlns:a="http://schemas.openxmlformats.org/drawingml/2006/main" xmlns:r="http://schemas.openxmlformats.org/officeDocument/2006/relationships" xmlns:p="http://schemas.openxmlformats.org/presentationml/2006/main">
   <p:cSld>
@@ -15231,10 +15432,68 @@
       </p:grpSpPr>
       <p:sp>
         <p:nvSpPr>
-          <p:cNvPr id="5" name="文本占位符 1">
+          <p:cNvPr id="6" name="标题 5"/>
+          <p:cNvSpPr>
+            <a:spLocks noGrp="1"/>
+          </p:cNvSpPr>
+          <p:nvPr>
+            <p:ph type="title"/>
+          </p:nvPr>
+        </p:nvSpPr>
+        <p:spPr/>
+        <p:txBody>
+          <a:bodyPr/>
+          <a:lstStyle/>
+          <a:p>
+            <a:r>
+              <a:rPr kumimoji="1" lang="en-US" altLang="zh-CN" dirty="0"/>
+              <a:t>Top</a:t>
+            </a:r>
+          </a:p>
+        </p:txBody>
+      </p:sp>
+      <p:pic>
+        <p:nvPicPr>
+          <p:cNvPr id="5" name="圖片 4">
             <a:extLst>
               <a:ext uri="{FF2B5EF4-FFF2-40B4-BE49-F238E27FC236}">
-                <a16:creationId xmlns:a16="http://schemas.microsoft.com/office/drawing/2014/main" id="{B7208ECB-9233-0240-9657-8CB91A0EEFD5}"/>
+                <a16:creationId xmlns:a16="http://schemas.microsoft.com/office/drawing/2014/main" id="{4D85F2AE-29E8-6D4C-B893-89B246BDBCE8}"/>
+              </a:ext>
+            </a:extLst>
+          </p:cNvPr>
+          <p:cNvPicPr>
+            <a:picLocks noChangeAspect="1"/>
+          </p:cNvPicPr>
+          <p:nvPr/>
+        </p:nvPicPr>
+        <p:blipFill>
+          <a:blip r:embed="rId3">
+            <a:extLst>
+              <a:ext uri="{28A0092B-C50C-407E-A947-70E740481C1C}">
+                <a14:useLocalDpi xmlns:a14="http://schemas.microsoft.com/office/drawing/2010/main" val="0"/>
+              </a:ext>
+            </a:extLst>
+          </a:blip>
+          <a:stretch>
+            <a:fillRect/>
+          </a:stretch>
+        </p:blipFill>
+        <p:spPr>
+          <a:xfrm>
+            <a:off x="2311172" y="3673700"/>
+            <a:ext cx="19609228" cy="7870190"/>
+          </a:xfrm>
+          <a:prstGeom prst="rect">
+            <a:avLst/>
+          </a:prstGeom>
+        </p:spPr>
+      </p:pic>
+      <p:sp>
+        <p:nvSpPr>
+          <p:cNvPr id="22" name="文字版面配置區 4">
+            <a:extLst>
+              <a:ext uri="{FF2B5EF4-FFF2-40B4-BE49-F238E27FC236}">
+                <a16:creationId xmlns:a16="http://schemas.microsoft.com/office/drawing/2014/main" id="{36506753-E4DE-3846-B2AD-13083DBA69B9}"/>
               </a:ext>
             </a:extLst>
           </p:cNvPr>
@@ -15245,15 +15504,20 @@
         </p:nvSpPr>
         <p:spPr>
           <a:xfrm>
-            <a:off x="2462400" y="2962200"/>
-            <a:ext cx="19686400" cy="9615880"/>
+            <a:off x="2462400" y="2531310"/>
+            <a:ext cx="19458000" cy="1142390"/>
           </a:xfrm>
           <a:prstGeom prst="rect">
             <a:avLst/>
           </a:prstGeom>
+          <a:ln w="12700">
+            <a:miter lim="400000"/>
+          </a:ln>
         </p:spPr>
         <p:txBody>
-          <a:bodyPr/>
+          <a:bodyPr lIns="50800" tIns="50800" rIns="50800" bIns="50800" anchor="t" anchorCtr="0">
+            <a:normAutofit/>
+          </a:bodyPr>
           <a:lstStyle>
             <a:lvl1pPr marL="0" marR="0" indent="0" algn="l" defTabSz="825500" latinLnBrk="0">
               <a:lnSpc>
@@ -15484,107 +15748,131 @@
           <a:p>
             <a:pPr hangingPunct="1"/>
             <a:r>
-              <a:rPr lang="en" altLang="zh-TW" dirty="0">
-                <a:hlinkClick r:id="rId2"/>
+              <a:rPr lang="zh-TW" altLang="en-US" dirty="0"/>
+              <a:t>未優化</a:t>
+            </a:r>
+            <a:r>
+              <a:rPr lang="en-US" altLang="zh-TW" dirty="0"/>
+              <a:t>: </a:t>
+            </a:r>
+            <a:r>
+              <a:rPr lang="zh-TW" altLang="en-US" dirty="0"/>
+              <a:t>   </a:t>
+            </a:r>
+            <a:r>
+              <a:rPr lang="en-US" altLang="zh-TW" dirty="0"/>
+              <a:t>CPU</a:t>
+            </a:r>
+            <a:r>
+              <a:rPr lang="zh-TW" altLang="en-US" dirty="0">
+                <a:sym typeface="Wingdings" pitchFamily="2" charset="2"/>
               </a:rPr>
-              <a:t>Go sync.Pool | Go </a:t>
+              <a:t> </a:t>
+            </a:r>
+            <a:r>
+              <a:rPr lang="en-US" altLang="zh-TW" dirty="0">
+                <a:sym typeface="Wingdings" pitchFamily="2" charset="2"/>
+              </a:rPr>
+              <a:t>300</a:t>
             </a:r>
             <a:r>
               <a:rPr lang="zh-TW" altLang="en-US" dirty="0">
-                <a:hlinkClick r:id="rId2"/>
+                <a:sym typeface="Wingdings" pitchFamily="2" charset="2"/>
               </a:rPr>
-              <a:t>语言高性能编程</a:t>
-            </a:r>
-            <a:endParaRPr lang="en-US" altLang="zh-TW" dirty="0">
-              <a:hlinkClick r:id="rId2"/>
-            </a:endParaRPr>
-          </a:p>
-          <a:p>
-            <a:pPr hangingPunct="1"/>
+              <a:t>～</a:t>
+            </a:r>
+            <a:r>
+              <a:rPr lang="en-US" altLang="zh-TW" dirty="0">
+                <a:sym typeface="Wingdings" pitchFamily="2" charset="2"/>
+              </a:rPr>
+              <a:t>350</a:t>
+            </a:r>
             <a:r>
               <a:rPr lang="zh-TW" altLang="en-US" dirty="0">
-                <a:hlinkClick r:id="rId3"/>
+                <a:sym typeface="Wingdings" pitchFamily="2" charset="2"/>
               </a:rPr>
-              <a:t>深度解密</a:t>
-            </a:r>
-            <a:r>
-              <a:rPr lang="en" altLang="zh-TW" dirty="0">
-                <a:hlinkClick r:id="rId3"/>
+              <a:t>           </a:t>
+            </a:r>
+            <a:r>
+              <a:rPr lang="en-US" altLang="zh-TW" dirty="0">
+                <a:sym typeface="Wingdings" pitchFamily="2" charset="2"/>
               </a:rPr>
-              <a:t>Go </a:t>
+              <a:t>Mem</a:t>
             </a:r>
             <a:r>
               <a:rPr lang="zh-TW" altLang="en-US" dirty="0">
-                <a:hlinkClick r:id="rId3"/>
+                <a:sym typeface="Wingdings" pitchFamily="2" charset="2"/>
               </a:rPr>
-              <a:t>语言之</a:t>
-            </a:r>
-            <a:r>
-              <a:rPr lang="en" altLang="zh-TW" dirty="0">
-                <a:hlinkClick r:id="rId3"/>
+              <a:t>：</a:t>
+            </a:r>
+            <a:r>
+              <a:rPr lang="en-US" altLang="zh-TW" dirty="0">
+                <a:sym typeface="Wingdings" pitchFamily="2" charset="2"/>
               </a:rPr>
-              <a:t>sync.Pool </a:t>
-            </a:r>
-          </a:p>
-          <a:p>
-            <a:pPr hangingPunct="1"/>
+              <a:t>270</a:t>
+            </a:r>
             <a:r>
               <a:rPr lang="zh-TW" altLang="en-US" dirty="0">
-                <a:hlinkClick r:id="rId4"/>
+                <a:sym typeface="Wingdings" pitchFamily="2" charset="2"/>
               </a:rPr>
-              <a:t>一文帶你搞懂</a:t>
-            </a:r>
-            <a:r>
-              <a:rPr lang="en" altLang="zh-TW" dirty="0">
-                <a:hlinkClick r:id="rId4"/>
+              <a:t>～</a:t>
+            </a:r>
+            <a:r>
+              <a:rPr lang="en-US" altLang="zh-TW" dirty="0">
+                <a:sym typeface="Wingdings" pitchFamily="2" charset="2"/>
               </a:rPr>
-              <a:t>Go pprof</a:t>
-            </a:r>
-          </a:p>
-          <a:p>
-            <a:pPr hangingPunct="1"/>
-            <a:r>
-              <a:rPr lang="en" altLang="zh-TW" dirty="0">
-                <a:hlinkClick r:id="rId5"/>
+              <a:t>330</a:t>
+            </a:r>
+            <a:r>
+              <a:rPr lang="zh-TW" altLang="en-US" dirty="0">
+                <a:sym typeface="Wingdings" pitchFamily="2" charset="2"/>
               </a:rPr>
-              <a:t>go</a:t>
-            </a:r>
-            <a:r>
-              <a:rPr lang="zh-TW" altLang="en-US" dirty="0">
-                <a:hlinkClick r:id="rId5"/>
+              <a:t>     </a:t>
+            </a:r>
+            <a:r>
+              <a:rPr lang="en-US" altLang="zh-TW" dirty="0">
+                <a:sym typeface="Wingdings" pitchFamily="2" charset="2"/>
               </a:rPr>
-              <a:t>语言最全优化技巧总结</a:t>
-            </a:r>
-          </a:p>
-          <a:p>
-            <a:pPr hangingPunct="1"/>
-            <a:endParaRPr lang="en" altLang="zh-TW" dirty="0">
-              <a:hlinkClick r:id="rId4"/>
-            </a:endParaRPr>
-          </a:p>
-          <a:p>
-            <a:pPr hangingPunct="1"/>
-            <a:endParaRPr lang="en" altLang="zh-TW" dirty="0">
-              <a:hlinkClick r:id="rId3"/>
-            </a:endParaRPr>
-          </a:p>
-          <a:p>
-            <a:pPr hangingPunct="1"/>
-            <a:endParaRPr lang="zh-TW" altLang="en-US" dirty="0">
-              <a:hlinkClick r:id="rId2"/>
-            </a:endParaRPr>
+              <a:t>Speed: 155000</a:t>
+            </a:r>
+            <a:endParaRPr lang="zh-TW" altLang="en-US" dirty="0"/>
           </a:p>
         </p:txBody>
       </p:sp>
+    </p:spTree>
+    <p:extLst>
+      <p:ext uri="{BB962C8B-B14F-4D97-AF65-F5344CB8AC3E}">
+        <p14:creationId xmlns:p14="http://schemas.microsoft.com/office/powerpoint/2010/main" val="1058758382"/>
+      </p:ext>
+    </p:extLst>
+  </p:cSld>
+  <p:clrMapOvr>
+    <a:masterClrMapping/>
+  </p:clrMapOvr>
+  <p:transition spd="med"/>
+</p:sld>
+</file>
+
+<file path=ppt/slides/slide29.xml><?xml version="1.0" encoding="utf-8"?>
+<p:sld xmlns:a="http://schemas.openxmlformats.org/drawingml/2006/main" xmlns:r="http://schemas.openxmlformats.org/officeDocument/2006/relationships" xmlns:p="http://schemas.openxmlformats.org/presentationml/2006/main">
+  <p:cSld>
+    <p:spTree>
+      <p:nvGrpSpPr>
+        <p:cNvPr id="1" name=""/>
+        <p:cNvGrpSpPr/>
+        <p:nvPr/>
+      </p:nvGrpSpPr>
+      <p:grpSpPr>
+        <a:xfrm>
+          <a:off x="0" y="0"/>
+          <a:ext cx="0" cy="0"/>
+          <a:chOff x="0" y="0"/>
+          <a:chExt cx="0" cy="0"/>
+        </a:xfrm>
+      </p:grpSpPr>
       <p:sp>
         <p:nvSpPr>
-          <p:cNvPr id="3" name="标题 5">
-            <a:extLst>
-              <a:ext uri="{FF2B5EF4-FFF2-40B4-BE49-F238E27FC236}">
-                <a16:creationId xmlns:a16="http://schemas.microsoft.com/office/drawing/2014/main" id="{25DF05B8-3D4D-A24A-AE89-2574D81F9CDD}"/>
-              </a:ext>
-            </a:extLst>
-          </p:cNvPr>
+          <p:cNvPr id="6" name="标题 5"/>
           <p:cNvSpPr>
             <a:spLocks noGrp="1"/>
           </p:cNvSpPr>
@@ -15592,28 +15880,428 @@
             <p:ph type="title"/>
           </p:nvPr>
         </p:nvSpPr>
-        <p:spPr>
-          <a:xfrm>
-            <a:off x="2462400" y="979200"/>
-            <a:ext cx="19458000" cy="1310400"/>
-          </a:xfrm>
-        </p:spPr>
+        <p:spPr/>
         <p:txBody>
           <a:bodyPr/>
           <a:lstStyle/>
           <a:p>
             <a:r>
-              <a:rPr kumimoji="1" lang="en-US" altLang="zh-TW" dirty="0"/>
-              <a:t>Reference</a:t>
-            </a:r>
-            <a:endParaRPr kumimoji="1" lang="en-US" altLang="zh-CN" dirty="0"/>
+              <a:rPr kumimoji="1" lang="en-US" altLang="zh-CN" dirty="0"/>
+              <a:t>Top</a:t>
+            </a:r>
+          </a:p>
+        </p:txBody>
+      </p:sp>
+      <p:sp>
+        <p:nvSpPr>
+          <p:cNvPr id="22" name="文字版面配置區 4">
+            <a:extLst>
+              <a:ext uri="{FF2B5EF4-FFF2-40B4-BE49-F238E27FC236}">
+                <a16:creationId xmlns:a16="http://schemas.microsoft.com/office/drawing/2014/main" id="{36506753-E4DE-3846-B2AD-13083DBA69B9}"/>
+              </a:ext>
+            </a:extLst>
+          </p:cNvPr>
+          <p:cNvSpPr txBox="1">
+            <a:spLocks/>
+          </p:cNvSpPr>
+          <p:nvPr/>
+        </p:nvSpPr>
+        <p:spPr>
+          <a:xfrm>
+            <a:off x="2462400" y="2531310"/>
+            <a:ext cx="19458000" cy="1142390"/>
+          </a:xfrm>
+          <a:prstGeom prst="rect">
+            <a:avLst/>
+          </a:prstGeom>
+          <a:ln w="12700">
+            <a:miter lim="400000"/>
+          </a:ln>
+        </p:spPr>
+        <p:txBody>
+          <a:bodyPr lIns="50800" tIns="50800" rIns="50800" bIns="50800" anchor="t" anchorCtr="0">
+            <a:normAutofit/>
+          </a:bodyPr>
+          <a:lstStyle>
+            <a:lvl1pPr marL="0" marR="0" indent="0" algn="l" defTabSz="825500" latinLnBrk="0">
+              <a:lnSpc>
+                <a:spcPct val="100000"/>
+              </a:lnSpc>
+              <a:spcBef>
+                <a:spcPts val="1000"/>
+              </a:spcBef>
+              <a:spcAft>
+                <a:spcPts val="1000"/>
+              </a:spcAft>
+              <a:buClrTx/>
+              <a:buSzPct val="125000"/>
+              <a:buFontTx/>
+              <a:buNone/>
+              <a:defRPr sz="4000" b="0" i="0" u="none" strike="noStrike" cap="none" spc="0" baseline="0">
+                <a:solidFill>
+                  <a:srgbClr val="FFFFFF"/>
+                </a:solidFill>
+                <a:uFillTx/>
+                <a:latin typeface="Helvetica" pitchFamily="2" charset="0"/>
+                <a:ea typeface="Alibaba PuHuiTi R" panose="00020600040101010101" pitchFamily="18" charset="-122"/>
+                <a:cs typeface="Alibaba PuHuiTi R" panose="00020600040101010101" pitchFamily="18" charset="-122"/>
+                <a:sym typeface="Alibaba PuHuiTi" panose="00020600040101010101" pitchFamily="18" charset="-122"/>
+              </a:defRPr>
+            </a:lvl1pPr>
+            <a:lvl2pPr marL="1270000" marR="0" indent="-635000" algn="l" defTabSz="825500" latinLnBrk="0">
+              <a:lnSpc>
+                <a:spcPct val="100000"/>
+              </a:lnSpc>
+              <a:spcBef>
+                <a:spcPts val="1000"/>
+              </a:spcBef>
+              <a:spcAft>
+                <a:spcPts val="1000"/>
+              </a:spcAft>
+              <a:buClrTx/>
+              <a:buSzPct val="125000"/>
+              <a:buFont typeface="Arial" panose="020B0604020202090204" pitchFamily="34" charset="0"/>
+              <a:buChar char="•"/>
+              <a:defRPr sz="3600" b="0" i="0" u="none" strike="noStrike" cap="none" spc="0" baseline="0">
+                <a:solidFill>
+                  <a:srgbClr val="FFFFFF"/>
+                </a:solidFill>
+                <a:uFillTx/>
+                <a:latin typeface="Helvetica" pitchFamily="2" charset="0"/>
+                <a:ea typeface="Alibaba PuHuiTi R" panose="00020600040101010101" pitchFamily="18" charset="-122"/>
+                <a:cs typeface="Alibaba PuHuiTi R" panose="00020600040101010101" pitchFamily="18" charset="-122"/>
+                <a:sym typeface="Alibaba PuHuiTi" panose="00020600040101010101" pitchFamily="18" charset="-122"/>
+              </a:defRPr>
+            </a:lvl2pPr>
+            <a:lvl3pPr marL="1905000" marR="0" indent="-635000" algn="l" defTabSz="825500" latinLnBrk="0">
+              <a:lnSpc>
+                <a:spcPct val="100000"/>
+              </a:lnSpc>
+              <a:spcBef>
+                <a:spcPts val="1000"/>
+              </a:spcBef>
+              <a:spcAft>
+                <a:spcPts val="1000"/>
+              </a:spcAft>
+              <a:buClrTx/>
+              <a:buSzPct val="80000"/>
+              <a:buFont typeface="Wingdings" panose="05000000000000000000" pitchFamily="2" charset="2"/>
+              <a:buChar char="Ø"/>
+              <a:defRPr sz="3600" b="0" i="0" u="none" strike="noStrike" cap="none" spc="0" baseline="0">
+                <a:solidFill>
+                  <a:srgbClr val="FFFFFF"/>
+                </a:solidFill>
+                <a:uFillTx/>
+                <a:latin typeface="Helvetica" pitchFamily="2" charset="0"/>
+                <a:ea typeface="Alibaba PuHuiTi R" panose="00020600040101010101" pitchFamily="18" charset="-122"/>
+                <a:cs typeface="Alibaba PuHuiTi R" panose="00020600040101010101" pitchFamily="18" charset="-122"/>
+                <a:sym typeface="Alibaba PuHuiTi" panose="00020600040101010101" pitchFamily="18" charset="-122"/>
+              </a:defRPr>
+            </a:lvl3pPr>
+            <a:lvl4pPr marL="2540000" marR="0" indent="-635000" algn="l" defTabSz="825500" latinLnBrk="0">
+              <a:lnSpc>
+                <a:spcPct val="100000"/>
+              </a:lnSpc>
+              <a:spcBef>
+                <a:spcPts val="1000"/>
+              </a:spcBef>
+              <a:spcAft>
+                <a:spcPts val="1000"/>
+              </a:spcAft>
+              <a:buClrTx/>
+              <a:buSzPct val="80000"/>
+              <a:buFont typeface="Wingdings" panose="05000000000000000000" pitchFamily="2" charset="2"/>
+              <a:buChar char="Ø"/>
+              <a:defRPr sz="3600" b="0" i="0" u="none" strike="noStrike" cap="none" spc="0" baseline="0">
+                <a:solidFill>
+                  <a:srgbClr val="FFFFFF"/>
+                </a:solidFill>
+                <a:uFillTx/>
+                <a:latin typeface="Helvetica" pitchFamily="2" charset="0"/>
+                <a:ea typeface="Alibaba PuHuiTi R" panose="00020600040101010101" pitchFamily="18" charset="-122"/>
+                <a:cs typeface="Alibaba PuHuiTi R" panose="00020600040101010101" pitchFamily="18" charset="-122"/>
+                <a:sym typeface="Alibaba PuHuiTi" panose="00020600040101010101" pitchFamily="18" charset="-122"/>
+              </a:defRPr>
+            </a:lvl4pPr>
+            <a:lvl5pPr marL="3175000" marR="0" indent="-635000" algn="l" defTabSz="825500" latinLnBrk="0">
+              <a:lnSpc>
+                <a:spcPct val="100000"/>
+              </a:lnSpc>
+              <a:spcBef>
+                <a:spcPts val="1000"/>
+              </a:spcBef>
+              <a:spcAft>
+                <a:spcPts val="1000"/>
+              </a:spcAft>
+              <a:buClrTx/>
+              <a:buSzPct val="80000"/>
+              <a:buFont typeface="Wingdings" panose="05000000000000000000" pitchFamily="2" charset="2"/>
+              <a:buChar char="Ø"/>
+              <a:defRPr sz="3600" b="0" i="0" u="none" strike="noStrike" cap="none" spc="0" baseline="0">
+                <a:solidFill>
+                  <a:srgbClr val="FFFFFF"/>
+                </a:solidFill>
+                <a:uFillTx/>
+                <a:latin typeface="Helvetica" pitchFamily="2" charset="0"/>
+                <a:ea typeface="Alibaba PuHuiTi R" panose="00020600040101010101" pitchFamily="18" charset="-122"/>
+                <a:cs typeface="Alibaba PuHuiTi R" panose="00020600040101010101" pitchFamily="18" charset="-122"/>
+                <a:sym typeface="Alibaba PuHuiTi" panose="00020600040101010101" pitchFamily="18" charset="-122"/>
+              </a:defRPr>
+            </a:lvl5pPr>
+            <a:lvl6pPr marL="3677920" marR="0" indent="-502920" algn="l" defTabSz="825500" latinLnBrk="0">
+              <a:lnSpc>
+                <a:spcPct val="100000"/>
+              </a:lnSpc>
+              <a:spcBef>
+                <a:spcPts val="5900"/>
+              </a:spcBef>
+              <a:spcAft>
+                <a:spcPts val="0"/>
+              </a:spcAft>
+              <a:buClrTx/>
+              <a:buSzPct val="125000"/>
+              <a:buFontTx/>
+              <a:buChar char="•"/>
+              <a:defRPr sz="3800" b="0" i="0" u="none" strike="noStrike" cap="none" spc="0" baseline="0">
+                <a:solidFill>
+                  <a:srgbClr val="000000"/>
+                </a:solidFill>
+                <a:uFillTx/>
+                <a:latin typeface="Alibaba PuHuiTi R" panose="00020600040101010101" pitchFamily="18" charset="-122"/>
+                <a:ea typeface="Alibaba PuHuiTi R" panose="00020600040101010101" pitchFamily="18" charset="-122"/>
+                <a:cs typeface="Alibaba PuHuiTi R" panose="00020600040101010101" pitchFamily="18" charset="-122"/>
+                <a:sym typeface="Alibaba PuHuiTi" panose="00020600040101010101" pitchFamily="18" charset="-122"/>
+              </a:defRPr>
+            </a:lvl6pPr>
+            <a:lvl7pPr marL="4312920" marR="0" indent="-502920" algn="l" defTabSz="825500" latinLnBrk="0">
+              <a:lnSpc>
+                <a:spcPct val="100000"/>
+              </a:lnSpc>
+              <a:spcBef>
+                <a:spcPts val="5900"/>
+              </a:spcBef>
+              <a:spcAft>
+                <a:spcPts val="0"/>
+              </a:spcAft>
+              <a:buClrTx/>
+              <a:buSzPct val="125000"/>
+              <a:buFontTx/>
+              <a:buChar char="•"/>
+              <a:defRPr sz="3800" b="0" i="0" u="none" strike="noStrike" cap="none" spc="0" baseline="0">
+                <a:solidFill>
+                  <a:srgbClr val="000000"/>
+                </a:solidFill>
+                <a:uFillTx/>
+                <a:latin typeface="Alibaba PuHuiTi R" panose="00020600040101010101" pitchFamily="18" charset="-122"/>
+                <a:ea typeface="Alibaba PuHuiTi R" panose="00020600040101010101" pitchFamily="18" charset="-122"/>
+                <a:cs typeface="Alibaba PuHuiTi R" panose="00020600040101010101" pitchFamily="18" charset="-122"/>
+                <a:sym typeface="Alibaba PuHuiTi" panose="00020600040101010101" pitchFamily="18" charset="-122"/>
+              </a:defRPr>
+            </a:lvl7pPr>
+            <a:lvl8pPr marL="4947920" marR="0" indent="-502920" algn="l" defTabSz="825500" latinLnBrk="0">
+              <a:lnSpc>
+                <a:spcPct val="100000"/>
+              </a:lnSpc>
+              <a:spcBef>
+                <a:spcPts val="5900"/>
+              </a:spcBef>
+              <a:spcAft>
+                <a:spcPts val="0"/>
+              </a:spcAft>
+              <a:buClrTx/>
+              <a:buSzPct val="125000"/>
+              <a:buFontTx/>
+              <a:buChar char="•"/>
+              <a:defRPr sz="3800" b="0" i="0" u="none" strike="noStrike" cap="none" spc="0" baseline="0">
+                <a:solidFill>
+                  <a:srgbClr val="000000"/>
+                </a:solidFill>
+                <a:uFillTx/>
+                <a:latin typeface="Alibaba PuHuiTi R" panose="00020600040101010101" pitchFamily="18" charset="-122"/>
+                <a:ea typeface="Alibaba PuHuiTi R" panose="00020600040101010101" pitchFamily="18" charset="-122"/>
+                <a:cs typeface="Alibaba PuHuiTi R" panose="00020600040101010101" pitchFamily="18" charset="-122"/>
+                <a:sym typeface="Alibaba PuHuiTi" panose="00020600040101010101" pitchFamily="18" charset="-122"/>
+              </a:defRPr>
+            </a:lvl8pPr>
+            <a:lvl9pPr marL="5582920" marR="0" indent="-502920" algn="l" defTabSz="825500" latinLnBrk="0">
+              <a:lnSpc>
+                <a:spcPct val="100000"/>
+              </a:lnSpc>
+              <a:spcBef>
+                <a:spcPts val="5900"/>
+              </a:spcBef>
+              <a:spcAft>
+                <a:spcPts val="0"/>
+              </a:spcAft>
+              <a:buClrTx/>
+              <a:buSzPct val="125000"/>
+              <a:buFontTx/>
+              <a:buChar char="•"/>
+              <a:defRPr sz="3800" b="0" i="0" u="none" strike="noStrike" cap="none" spc="0" baseline="0">
+                <a:solidFill>
+                  <a:srgbClr val="000000"/>
+                </a:solidFill>
+                <a:uFillTx/>
+                <a:latin typeface="Alibaba PuHuiTi R" panose="00020600040101010101" pitchFamily="18" charset="-122"/>
+                <a:ea typeface="Alibaba PuHuiTi R" panose="00020600040101010101" pitchFamily="18" charset="-122"/>
+                <a:cs typeface="Alibaba PuHuiTi R" panose="00020600040101010101" pitchFamily="18" charset="-122"/>
+                <a:sym typeface="Alibaba PuHuiTi" panose="00020600040101010101" pitchFamily="18" charset="-122"/>
+              </a:defRPr>
+            </a:lvl9pPr>
+          </a:lstStyle>
+          <a:p>
+            <a:pPr hangingPunct="1"/>
+            <a:r>
+              <a:rPr lang="zh-TW" altLang="en-US" dirty="0"/>
+              <a:t>優化後</a:t>
+            </a:r>
+            <a:r>
+              <a:rPr lang="en-US" altLang="zh-TW" dirty="0"/>
+              <a:t>: </a:t>
+            </a:r>
+            <a:r>
+              <a:rPr lang="zh-TW" altLang="en-US" dirty="0"/>
+              <a:t>   </a:t>
+            </a:r>
+            <a:r>
+              <a:rPr lang="en-US" altLang="zh-TW" dirty="0"/>
+              <a:t>CPU</a:t>
+            </a:r>
+            <a:r>
+              <a:rPr lang="zh-TW" altLang="en-US" dirty="0">
+                <a:sym typeface="Wingdings" pitchFamily="2" charset="2"/>
+              </a:rPr>
+              <a:t> </a:t>
+            </a:r>
+            <a:r>
+              <a:rPr lang="en-US" altLang="zh-TW" dirty="0">
+                <a:sym typeface="Wingdings" pitchFamily="2" charset="2"/>
+              </a:rPr>
+              <a:t>330+</a:t>
+            </a:r>
+            <a:r>
+              <a:rPr lang="zh-TW" altLang="en-US" dirty="0">
+                <a:sym typeface="Wingdings" pitchFamily="2" charset="2"/>
+              </a:rPr>
+              <a:t>          </a:t>
+            </a:r>
+            <a:r>
+              <a:rPr lang="en-US" altLang="zh-TW" dirty="0">
+                <a:sym typeface="Wingdings" pitchFamily="2" charset="2"/>
+              </a:rPr>
+              <a:t>Mem</a:t>
+            </a:r>
+            <a:r>
+              <a:rPr lang="zh-TW" altLang="en-US" dirty="0">
+                <a:sym typeface="Wingdings" pitchFamily="2" charset="2"/>
+              </a:rPr>
+              <a:t>： </a:t>
+            </a:r>
+            <a:r>
+              <a:rPr lang="en-US" altLang="zh-TW" dirty="0">
+                <a:sym typeface="Wingdings" pitchFamily="2" charset="2"/>
+              </a:rPr>
+              <a:t>Unstable Max (1400m)        Speed: 240000</a:t>
+            </a:r>
+            <a:endParaRPr lang="zh-TW" altLang="en-US" dirty="0"/>
+          </a:p>
+        </p:txBody>
+      </p:sp>
+      <p:pic>
+        <p:nvPicPr>
+          <p:cNvPr id="3" name="圖片 2">
+            <a:extLst>
+              <a:ext uri="{FF2B5EF4-FFF2-40B4-BE49-F238E27FC236}">
+                <a16:creationId xmlns:a16="http://schemas.microsoft.com/office/drawing/2014/main" id="{09BDC207-303A-9545-8EA4-D29C91CBD18C}"/>
+              </a:ext>
+            </a:extLst>
+          </p:cNvPr>
+          <p:cNvPicPr>
+            <a:picLocks noChangeAspect="1"/>
+          </p:cNvPicPr>
+          <p:nvPr/>
+        </p:nvPicPr>
+        <p:blipFill>
+          <a:blip r:embed="rId3">
+            <a:extLst>
+              <a:ext uri="{28A0092B-C50C-407E-A947-70E740481C1C}">
+                <a14:useLocalDpi xmlns:a14="http://schemas.microsoft.com/office/drawing/2010/main" val="0"/>
+              </a:ext>
+            </a:extLst>
+          </a:blip>
+          <a:stretch>
+            <a:fillRect/>
+          </a:stretch>
+        </p:blipFill>
+        <p:spPr>
+          <a:xfrm>
+            <a:off x="3520440" y="3673700"/>
+            <a:ext cx="15722600" cy="9590786"/>
+          </a:xfrm>
+          <a:prstGeom prst="rect">
+            <a:avLst/>
+          </a:prstGeom>
+        </p:spPr>
+      </p:pic>
+      <p:sp>
+        <p:nvSpPr>
+          <p:cNvPr id="7" name="矩形 6">
+            <a:extLst>
+              <a:ext uri="{FF2B5EF4-FFF2-40B4-BE49-F238E27FC236}">
+                <a16:creationId xmlns:a16="http://schemas.microsoft.com/office/drawing/2014/main" id="{13988091-DA4C-9F4D-9DC5-8021FC37FD22}"/>
+              </a:ext>
+            </a:extLst>
+          </p:cNvPr>
+          <p:cNvSpPr/>
+          <p:nvPr/>
+        </p:nvSpPr>
+        <p:spPr>
+          <a:xfrm>
+            <a:off x="5445760" y="11912327"/>
+            <a:ext cx="12192000" cy="553998"/>
+          </a:xfrm>
+          <a:prstGeom prst="rect">
+            <a:avLst/>
+          </a:prstGeom>
+        </p:spPr>
+        <p:txBody>
+          <a:bodyPr>
+            <a:spAutoFit/>
+          </a:bodyPr>
+          <a:lstStyle/>
+          <a:p>
+            <a:r>
+              <a:rPr lang="zh-TW" altLang="en-US" dirty="0">
+                <a:solidFill>
+                  <a:schemeClr val="accent2"/>
+                </a:solidFill>
+              </a:rPr>
+              <a:t>高併發－高記憶體佔用率－</a:t>
+            </a:r>
+            <a:r>
+              <a:rPr lang="en-US" altLang="zh-TW" dirty="0">
+                <a:solidFill>
+                  <a:schemeClr val="accent2"/>
+                </a:solidFill>
+              </a:rPr>
+              <a:t>GC </a:t>
+            </a:r>
+            <a:r>
+              <a:rPr lang="zh-TW" altLang="en-US" dirty="0">
+                <a:solidFill>
+                  <a:schemeClr val="accent2"/>
+                </a:solidFill>
+              </a:rPr>
+              <a:t>緩慢－系統處理併發⼒降低－更高併發</a:t>
+            </a:r>
+            <a:endParaRPr lang="zh-TW" altLang="en-US" dirty="0"/>
           </a:p>
         </p:txBody>
       </p:sp>
     </p:spTree>
     <p:extLst>
       <p:ext uri="{BB962C8B-B14F-4D97-AF65-F5344CB8AC3E}">
-        <p14:creationId xmlns:p14="http://schemas.microsoft.com/office/powerpoint/2010/main" val="3571810034"/>
+        <p14:creationId xmlns:p14="http://schemas.microsoft.com/office/powerpoint/2010/main" val="392673356"/>
       </p:ext>
     </p:extLst>
   </p:cSld>
@@ -15789,6 +16477,833 @@
         </p:txBody>
       </p:sp>
     </p:spTree>
+  </p:cSld>
+  <p:clrMapOvr>
+    <a:masterClrMapping/>
+  </p:clrMapOvr>
+  <p:transition spd="med"/>
+</p:sld>
+</file>
+
+<file path=ppt/slides/slide30.xml><?xml version="1.0" encoding="utf-8"?>
+<p:sld xmlns:a="http://schemas.openxmlformats.org/drawingml/2006/main" xmlns:r="http://schemas.openxmlformats.org/officeDocument/2006/relationships" xmlns:p="http://schemas.openxmlformats.org/presentationml/2006/main">
+  <p:cSld>
+    <p:spTree>
+      <p:nvGrpSpPr>
+        <p:cNvPr id="1" name=""/>
+        <p:cNvGrpSpPr/>
+        <p:nvPr/>
+      </p:nvGrpSpPr>
+      <p:grpSpPr>
+        <a:xfrm>
+          <a:off x="0" y="0"/>
+          <a:ext cx="0" cy="0"/>
+          <a:chOff x="0" y="0"/>
+          <a:chExt cx="0" cy="0"/>
+        </a:xfrm>
+      </p:grpSpPr>
+      <p:sp>
+        <p:nvSpPr>
+          <p:cNvPr id="6" name="标题 5"/>
+          <p:cNvSpPr>
+            <a:spLocks noGrp="1"/>
+          </p:cNvSpPr>
+          <p:nvPr>
+            <p:ph type="title"/>
+          </p:nvPr>
+        </p:nvSpPr>
+        <p:spPr/>
+        <p:txBody>
+          <a:bodyPr/>
+          <a:lstStyle/>
+          <a:p>
+            <a:r>
+              <a:rPr kumimoji="1" lang="en-US" altLang="zh-CN" dirty="0"/>
+              <a:t>Top</a:t>
+            </a:r>
+          </a:p>
+        </p:txBody>
+      </p:sp>
+      <p:sp>
+        <p:nvSpPr>
+          <p:cNvPr id="22" name="文字版面配置區 4">
+            <a:extLst>
+              <a:ext uri="{FF2B5EF4-FFF2-40B4-BE49-F238E27FC236}">
+                <a16:creationId xmlns:a16="http://schemas.microsoft.com/office/drawing/2014/main" id="{36506753-E4DE-3846-B2AD-13083DBA69B9}"/>
+              </a:ext>
+            </a:extLst>
+          </p:cNvPr>
+          <p:cNvSpPr txBox="1">
+            <a:spLocks/>
+          </p:cNvSpPr>
+          <p:nvPr/>
+        </p:nvSpPr>
+        <p:spPr>
+          <a:xfrm>
+            <a:off x="2836580" y="2531310"/>
+            <a:ext cx="18304640" cy="1142390"/>
+          </a:xfrm>
+          <a:prstGeom prst="rect">
+            <a:avLst/>
+          </a:prstGeom>
+          <a:ln w="12700">
+            <a:miter lim="400000"/>
+          </a:ln>
+        </p:spPr>
+        <p:txBody>
+          <a:bodyPr lIns="50800" tIns="50800" rIns="50800" bIns="50800" anchor="t" anchorCtr="0">
+            <a:normAutofit/>
+          </a:bodyPr>
+          <a:lstStyle>
+            <a:lvl1pPr marL="0" marR="0" indent="0" algn="l" defTabSz="825500" latinLnBrk="0">
+              <a:lnSpc>
+                <a:spcPct val="100000"/>
+              </a:lnSpc>
+              <a:spcBef>
+                <a:spcPts val="1000"/>
+              </a:spcBef>
+              <a:spcAft>
+                <a:spcPts val="1000"/>
+              </a:spcAft>
+              <a:buClrTx/>
+              <a:buSzPct val="125000"/>
+              <a:buFontTx/>
+              <a:buNone/>
+              <a:defRPr sz="4000" b="0" i="0" u="none" strike="noStrike" cap="none" spc="0" baseline="0">
+                <a:solidFill>
+                  <a:srgbClr val="FFFFFF"/>
+                </a:solidFill>
+                <a:uFillTx/>
+                <a:latin typeface="Helvetica" pitchFamily="2" charset="0"/>
+                <a:ea typeface="Alibaba PuHuiTi R" panose="00020600040101010101" pitchFamily="18" charset="-122"/>
+                <a:cs typeface="Alibaba PuHuiTi R" panose="00020600040101010101" pitchFamily="18" charset="-122"/>
+                <a:sym typeface="Alibaba PuHuiTi" panose="00020600040101010101" pitchFamily="18" charset="-122"/>
+              </a:defRPr>
+            </a:lvl1pPr>
+            <a:lvl2pPr marL="1270000" marR="0" indent="-635000" algn="l" defTabSz="825500" latinLnBrk="0">
+              <a:lnSpc>
+                <a:spcPct val="100000"/>
+              </a:lnSpc>
+              <a:spcBef>
+                <a:spcPts val="1000"/>
+              </a:spcBef>
+              <a:spcAft>
+                <a:spcPts val="1000"/>
+              </a:spcAft>
+              <a:buClrTx/>
+              <a:buSzPct val="125000"/>
+              <a:buFont typeface="Arial" panose="020B0604020202090204" pitchFamily="34" charset="0"/>
+              <a:buChar char="•"/>
+              <a:defRPr sz="3600" b="0" i="0" u="none" strike="noStrike" cap="none" spc="0" baseline="0">
+                <a:solidFill>
+                  <a:srgbClr val="FFFFFF"/>
+                </a:solidFill>
+                <a:uFillTx/>
+                <a:latin typeface="Helvetica" pitchFamily="2" charset="0"/>
+                <a:ea typeface="Alibaba PuHuiTi R" panose="00020600040101010101" pitchFamily="18" charset="-122"/>
+                <a:cs typeface="Alibaba PuHuiTi R" panose="00020600040101010101" pitchFamily="18" charset="-122"/>
+                <a:sym typeface="Alibaba PuHuiTi" panose="00020600040101010101" pitchFamily="18" charset="-122"/>
+              </a:defRPr>
+            </a:lvl2pPr>
+            <a:lvl3pPr marL="1905000" marR="0" indent="-635000" algn="l" defTabSz="825500" latinLnBrk="0">
+              <a:lnSpc>
+                <a:spcPct val="100000"/>
+              </a:lnSpc>
+              <a:spcBef>
+                <a:spcPts val="1000"/>
+              </a:spcBef>
+              <a:spcAft>
+                <a:spcPts val="1000"/>
+              </a:spcAft>
+              <a:buClrTx/>
+              <a:buSzPct val="80000"/>
+              <a:buFont typeface="Wingdings" panose="05000000000000000000" pitchFamily="2" charset="2"/>
+              <a:buChar char="Ø"/>
+              <a:defRPr sz="3600" b="0" i="0" u="none" strike="noStrike" cap="none" spc="0" baseline="0">
+                <a:solidFill>
+                  <a:srgbClr val="FFFFFF"/>
+                </a:solidFill>
+                <a:uFillTx/>
+                <a:latin typeface="Helvetica" pitchFamily="2" charset="0"/>
+                <a:ea typeface="Alibaba PuHuiTi R" panose="00020600040101010101" pitchFamily="18" charset="-122"/>
+                <a:cs typeface="Alibaba PuHuiTi R" panose="00020600040101010101" pitchFamily="18" charset="-122"/>
+                <a:sym typeface="Alibaba PuHuiTi" panose="00020600040101010101" pitchFamily="18" charset="-122"/>
+              </a:defRPr>
+            </a:lvl3pPr>
+            <a:lvl4pPr marL="2540000" marR="0" indent="-635000" algn="l" defTabSz="825500" latinLnBrk="0">
+              <a:lnSpc>
+                <a:spcPct val="100000"/>
+              </a:lnSpc>
+              <a:spcBef>
+                <a:spcPts val="1000"/>
+              </a:spcBef>
+              <a:spcAft>
+                <a:spcPts val="1000"/>
+              </a:spcAft>
+              <a:buClrTx/>
+              <a:buSzPct val="80000"/>
+              <a:buFont typeface="Wingdings" panose="05000000000000000000" pitchFamily="2" charset="2"/>
+              <a:buChar char="Ø"/>
+              <a:defRPr sz="3600" b="0" i="0" u="none" strike="noStrike" cap="none" spc="0" baseline="0">
+                <a:solidFill>
+                  <a:srgbClr val="FFFFFF"/>
+                </a:solidFill>
+                <a:uFillTx/>
+                <a:latin typeface="Helvetica" pitchFamily="2" charset="0"/>
+                <a:ea typeface="Alibaba PuHuiTi R" panose="00020600040101010101" pitchFamily="18" charset="-122"/>
+                <a:cs typeface="Alibaba PuHuiTi R" panose="00020600040101010101" pitchFamily="18" charset="-122"/>
+                <a:sym typeface="Alibaba PuHuiTi" panose="00020600040101010101" pitchFamily="18" charset="-122"/>
+              </a:defRPr>
+            </a:lvl4pPr>
+            <a:lvl5pPr marL="3175000" marR="0" indent="-635000" algn="l" defTabSz="825500" latinLnBrk="0">
+              <a:lnSpc>
+                <a:spcPct val="100000"/>
+              </a:lnSpc>
+              <a:spcBef>
+                <a:spcPts val="1000"/>
+              </a:spcBef>
+              <a:spcAft>
+                <a:spcPts val="1000"/>
+              </a:spcAft>
+              <a:buClrTx/>
+              <a:buSzPct val="80000"/>
+              <a:buFont typeface="Wingdings" panose="05000000000000000000" pitchFamily="2" charset="2"/>
+              <a:buChar char="Ø"/>
+              <a:defRPr sz="3600" b="0" i="0" u="none" strike="noStrike" cap="none" spc="0" baseline="0">
+                <a:solidFill>
+                  <a:srgbClr val="FFFFFF"/>
+                </a:solidFill>
+                <a:uFillTx/>
+                <a:latin typeface="Helvetica" pitchFamily="2" charset="0"/>
+                <a:ea typeface="Alibaba PuHuiTi R" panose="00020600040101010101" pitchFamily="18" charset="-122"/>
+                <a:cs typeface="Alibaba PuHuiTi R" panose="00020600040101010101" pitchFamily="18" charset="-122"/>
+                <a:sym typeface="Alibaba PuHuiTi" panose="00020600040101010101" pitchFamily="18" charset="-122"/>
+              </a:defRPr>
+            </a:lvl5pPr>
+            <a:lvl6pPr marL="3677920" marR="0" indent="-502920" algn="l" defTabSz="825500" latinLnBrk="0">
+              <a:lnSpc>
+                <a:spcPct val="100000"/>
+              </a:lnSpc>
+              <a:spcBef>
+                <a:spcPts val="5900"/>
+              </a:spcBef>
+              <a:spcAft>
+                <a:spcPts val="0"/>
+              </a:spcAft>
+              <a:buClrTx/>
+              <a:buSzPct val="125000"/>
+              <a:buFontTx/>
+              <a:buChar char="•"/>
+              <a:defRPr sz="3800" b="0" i="0" u="none" strike="noStrike" cap="none" spc="0" baseline="0">
+                <a:solidFill>
+                  <a:srgbClr val="000000"/>
+                </a:solidFill>
+                <a:uFillTx/>
+                <a:latin typeface="Alibaba PuHuiTi R" panose="00020600040101010101" pitchFamily="18" charset="-122"/>
+                <a:ea typeface="Alibaba PuHuiTi R" panose="00020600040101010101" pitchFamily="18" charset="-122"/>
+                <a:cs typeface="Alibaba PuHuiTi R" panose="00020600040101010101" pitchFamily="18" charset="-122"/>
+                <a:sym typeface="Alibaba PuHuiTi" panose="00020600040101010101" pitchFamily="18" charset="-122"/>
+              </a:defRPr>
+            </a:lvl6pPr>
+            <a:lvl7pPr marL="4312920" marR="0" indent="-502920" algn="l" defTabSz="825500" latinLnBrk="0">
+              <a:lnSpc>
+                <a:spcPct val="100000"/>
+              </a:lnSpc>
+              <a:spcBef>
+                <a:spcPts val="5900"/>
+              </a:spcBef>
+              <a:spcAft>
+                <a:spcPts val="0"/>
+              </a:spcAft>
+              <a:buClrTx/>
+              <a:buSzPct val="125000"/>
+              <a:buFontTx/>
+              <a:buChar char="•"/>
+              <a:defRPr sz="3800" b="0" i="0" u="none" strike="noStrike" cap="none" spc="0" baseline="0">
+                <a:solidFill>
+                  <a:srgbClr val="000000"/>
+                </a:solidFill>
+                <a:uFillTx/>
+                <a:latin typeface="Alibaba PuHuiTi R" panose="00020600040101010101" pitchFamily="18" charset="-122"/>
+                <a:ea typeface="Alibaba PuHuiTi R" panose="00020600040101010101" pitchFamily="18" charset="-122"/>
+                <a:cs typeface="Alibaba PuHuiTi R" panose="00020600040101010101" pitchFamily="18" charset="-122"/>
+                <a:sym typeface="Alibaba PuHuiTi" panose="00020600040101010101" pitchFamily="18" charset="-122"/>
+              </a:defRPr>
+            </a:lvl7pPr>
+            <a:lvl8pPr marL="4947920" marR="0" indent="-502920" algn="l" defTabSz="825500" latinLnBrk="0">
+              <a:lnSpc>
+                <a:spcPct val="100000"/>
+              </a:lnSpc>
+              <a:spcBef>
+                <a:spcPts val="5900"/>
+              </a:spcBef>
+              <a:spcAft>
+                <a:spcPts val="0"/>
+              </a:spcAft>
+              <a:buClrTx/>
+              <a:buSzPct val="125000"/>
+              <a:buFontTx/>
+              <a:buChar char="•"/>
+              <a:defRPr sz="3800" b="0" i="0" u="none" strike="noStrike" cap="none" spc="0" baseline="0">
+                <a:solidFill>
+                  <a:srgbClr val="000000"/>
+                </a:solidFill>
+                <a:uFillTx/>
+                <a:latin typeface="Alibaba PuHuiTi R" panose="00020600040101010101" pitchFamily="18" charset="-122"/>
+                <a:ea typeface="Alibaba PuHuiTi R" panose="00020600040101010101" pitchFamily="18" charset="-122"/>
+                <a:cs typeface="Alibaba PuHuiTi R" panose="00020600040101010101" pitchFamily="18" charset="-122"/>
+                <a:sym typeface="Alibaba PuHuiTi" panose="00020600040101010101" pitchFamily="18" charset="-122"/>
+              </a:defRPr>
+            </a:lvl8pPr>
+            <a:lvl9pPr marL="5582920" marR="0" indent="-502920" algn="l" defTabSz="825500" latinLnBrk="0">
+              <a:lnSpc>
+                <a:spcPct val="100000"/>
+              </a:lnSpc>
+              <a:spcBef>
+                <a:spcPts val="5900"/>
+              </a:spcBef>
+              <a:spcAft>
+                <a:spcPts val="0"/>
+              </a:spcAft>
+              <a:buClrTx/>
+              <a:buSzPct val="125000"/>
+              <a:buFontTx/>
+              <a:buChar char="•"/>
+              <a:defRPr sz="3800" b="0" i="0" u="none" strike="noStrike" cap="none" spc="0" baseline="0">
+                <a:solidFill>
+                  <a:srgbClr val="000000"/>
+                </a:solidFill>
+                <a:uFillTx/>
+                <a:latin typeface="Alibaba PuHuiTi R" panose="00020600040101010101" pitchFamily="18" charset="-122"/>
+                <a:ea typeface="Alibaba PuHuiTi R" panose="00020600040101010101" pitchFamily="18" charset="-122"/>
+                <a:cs typeface="Alibaba PuHuiTi R" panose="00020600040101010101" pitchFamily="18" charset="-122"/>
+                <a:sym typeface="Alibaba PuHuiTi" panose="00020600040101010101" pitchFamily="18" charset="-122"/>
+              </a:defRPr>
+            </a:lvl9pPr>
+          </a:lstStyle>
+          <a:p>
+            <a:pPr hangingPunct="1"/>
+            <a:r>
+              <a:rPr lang="zh-TW" altLang="en-US" dirty="0"/>
+              <a:t>控制併發速度</a:t>
+            </a:r>
+            <a:r>
+              <a:rPr lang="en-US" altLang="zh-TW" dirty="0"/>
+              <a:t>: </a:t>
+            </a:r>
+            <a:r>
+              <a:rPr lang="zh-TW" altLang="en-US" dirty="0"/>
+              <a:t>   </a:t>
+            </a:r>
+            <a:r>
+              <a:rPr lang="en-US" altLang="zh-TW" dirty="0"/>
+              <a:t>CPU</a:t>
+            </a:r>
+            <a:r>
+              <a:rPr lang="zh-TW" altLang="en-US" dirty="0">
+                <a:sym typeface="Wingdings" pitchFamily="2" charset="2"/>
+              </a:rPr>
+              <a:t>  </a:t>
+            </a:r>
+            <a:r>
+              <a:rPr lang="en-US" altLang="zh-TW" dirty="0">
+                <a:sym typeface="Wingdings" pitchFamily="2" charset="2"/>
+              </a:rPr>
+              <a:t>250</a:t>
+            </a:r>
+            <a:r>
+              <a:rPr lang="zh-TW" altLang="en-US" dirty="0">
+                <a:sym typeface="Wingdings" pitchFamily="2" charset="2"/>
+              </a:rPr>
+              <a:t>          </a:t>
+            </a:r>
+            <a:r>
+              <a:rPr lang="en-US" altLang="zh-TW" dirty="0">
+                <a:sym typeface="Wingdings" pitchFamily="2" charset="2"/>
+              </a:rPr>
+              <a:t>Mem</a:t>
+            </a:r>
+            <a:r>
+              <a:rPr lang="zh-TW" altLang="en-US" dirty="0">
+                <a:sym typeface="Wingdings" pitchFamily="2" charset="2"/>
+              </a:rPr>
+              <a:t>： </a:t>
+            </a:r>
+            <a:r>
+              <a:rPr lang="en-US" altLang="zh-TW" dirty="0">
+                <a:sym typeface="Wingdings" pitchFamily="2" charset="2"/>
+              </a:rPr>
+              <a:t>10 (+400)</a:t>
+            </a:r>
+            <a:r>
+              <a:rPr lang="zh-TW" altLang="en-US" dirty="0">
+                <a:sym typeface="Wingdings" pitchFamily="2" charset="2"/>
+              </a:rPr>
+              <a:t> </a:t>
+            </a:r>
+            <a:r>
+              <a:rPr lang="en-US" altLang="zh-TW" dirty="0">
+                <a:sym typeface="Wingdings" pitchFamily="2" charset="2"/>
+              </a:rPr>
+              <a:t> Speed: 165000</a:t>
+            </a:r>
+            <a:endParaRPr lang="zh-TW" altLang="en-US" dirty="0"/>
+          </a:p>
+        </p:txBody>
+      </p:sp>
+      <p:pic>
+        <p:nvPicPr>
+          <p:cNvPr id="4" name="圖片 3">
+            <a:extLst>
+              <a:ext uri="{FF2B5EF4-FFF2-40B4-BE49-F238E27FC236}">
+                <a16:creationId xmlns:a16="http://schemas.microsoft.com/office/drawing/2014/main" id="{CC1A0201-A3F9-4648-B6ED-D3A8A0CBAB9D}"/>
+              </a:ext>
+            </a:extLst>
+          </p:cNvPr>
+          <p:cNvPicPr>
+            <a:picLocks noChangeAspect="1"/>
+          </p:cNvPicPr>
+          <p:nvPr/>
+        </p:nvPicPr>
+        <p:blipFill rotWithShape="1">
+          <a:blip r:embed="rId3">
+            <a:extLst>
+              <a:ext uri="{28A0092B-C50C-407E-A947-70E740481C1C}">
+                <a14:useLocalDpi xmlns:a14="http://schemas.microsoft.com/office/drawing/2010/main" val="0"/>
+              </a:ext>
+            </a:extLst>
+          </a:blip>
+          <a:srcRect t="14288"/>
+          <a:stretch/>
+        </p:blipFill>
+        <p:spPr>
+          <a:xfrm>
+            <a:off x="2836580" y="3531460"/>
+            <a:ext cx="17706940" cy="9478087"/>
+          </a:xfrm>
+          <a:prstGeom prst="rect">
+            <a:avLst/>
+          </a:prstGeom>
+        </p:spPr>
+      </p:pic>
+    </p:spTree>
+    <p:extLst>
+      <p:ext uri="{BB962C8B-B14F-4D97-AF65-F5344CB8AC3E}">
+        <p14:creationId xmlns:p14="http://schemas.microsoft.com/office/powerpoint/2010/main" val="3020038638"/>
+      </p:ext>
+    </p:extLst>
+  </p:cSld>
+  <p:clrMapOvr>
+    <a:masterClrMapping/>
+  </p:clrMapOvr>
+  <p:transition spd="med"/>
+</p:sld>
+</file>
+
+<file path=ppt/slides/slide31.xml><?xml version="1.0" encoding="utf-8"?>
+<p:sld xmlns:a="http://schemas.openxmlformats.org/drawingml/2006/main" xmlns:r="http://schemas.openxmlformats.org/officeDocument/2006/relationships" xmlns:p="http://schemas.openxmlformats.org/presentationml/2006/main">
+  <p:cSld>
+    <p:spTree>
+      <p:nvGrpSpPr>
+        <p:cNvPr id="1" name=""/>
+        <p:cNvGrpSpPr/>
+        <p:nvPr/>
+      </p:nvGrpSpPr>
+      <p:grpSpPr>
+        <a:xfrm>
+          <a:off x="0" y="0"/>
+          <a:ext cx="0" cy="0"/>
+          <a:chOff x="0" y="0"/>
+          <a:chExt cx="0" cy="0"/>
+        </a:xfrm>
+      </p:grpSpPr>
+      <p:sp>
+        <p:nvSpPr>
+          <p:cNvPr id="5" name="文本占位符 1">
+            <a:extLst>
+              <a:ext uri="{FF2B5EF4-FFF2-40B4-BE49-F238E27FC236}">
+                <a16:creationId xmlns:a16="http://schemas.microsoft.com/office/drawing/2014/main" id="{B7208ECB-9233-0240-9657-8CB91A0EEFD5}"/>
+              </a:ext>
+            </a:extLst>
+          </p:cNvPr>
+          <p:cNvSpPr txBox="1">
+            <a:spLocks/>
+          </p:cNvSpPr>
+          <p:nvPr/>
+        </p:nvSpPr>
+        <p:spPr>
+          <a:xfrm>
+            <a:off x="2462400" y="2962200"/>
+            <a:ext cx="19686400" cy="9615880"/>
+          </a:xfrm>
+          <a:prstGeom prst="rect">
+            <a:avLst/>
+          </a:prstGeom>
+        </p:spPr>
+        <p:txBody>
+          <a:bodyPr/>
+          <a:lstStyle>
+            <a:lvl1pPr marL="0" marR="0" indent="0" algn="l" defTabSz="825500" latinLnBrk="0">
+              <a:lnSpc>
+                <a:spcPct val="100000"/>
+              </a:lnSpc>
+              <a:spcBef>
+                <a:spcPts val="1000"/>
+              </a:spcBef>
+              <a:spcAft>
+                <a:spcPts val="1000"/>
+              </a:spcAft>
+              <a:buClrTx/>
+              <a:buSzPct val="125000"/>
+              <a:buFontTx/>
+              <a:buNone/>
+              <a:defRPr sz="4000" b="0" i="0" u="none" strike="noStrike" cap="none" spc="0" baseline="0">
+                <a:solidFill>
+                  <a:srgbClr val="FFFFFF"/>
+                </a:solidFill>
+                <a:uFillTx/>
+                <a:latin typeface="Helvetica" pitchFamily="2" charset="0"/>
+                <a:ea typeface="Alibaba PuHuiTi R" panose="00020600040101010101" pitchFamily="18" charset="-122"/>
+                <a:cs typeface="Alibaba PuHuiTi R" panose="00020600040101010101" pitchFamily="18" charset="-122"/>
+                <a:sym typeface="Alibaba PuHuiTi" panose="00020600040101010101" pitchFamily="18" charset="-122"/>
+              </a:defRPr>
+            </a:lvl1pPr>
+            <a:lvl2pPr marL="1270000" marR="0" indent="-635000" algn="l" defTabSz="825500" latinLnBrk="0">
+              <a:lnSpc>
+                <a:spcPct val="100000"/>
+              </a:lnSpc>
+              <a:spcBef>
+                <a:spcPts val="1000"/>
+              </a:spcBef>
+              <a:spcAft>
+                <a:spcPts val="1000"/>
+              </a:spcAft>
+              <a:buClrTx/>
+              <a:buSzPct val="125000"/>
+              <a:buFont typeface="Arial" panose="020B0604020202090204" pitchFamily="34" charset="0"/>
+              <a:buChar char="•"/>
+              <a:defRPr sz="3600" b="0" i="0" u="none" strike="noStrike" cap="none" spc="0" baseline="0">
+                <a:solidFill>
+                  <a:srgbClr val="FFFFFF"/>
+                </a:solidFill>
+                <a:uFillTx/>
+                <a:latin typeface="Helvetica" pitchFamily="2" charset="0"/>
+                <a:ea typeface="Alibaba PuHuiTi R" panose="00020600040101010101" pitchFamily="18" charset="-122"/>
+                <a:cs typeface="Alibaba PuHuiTi R" panose="00020600040101010101" pitchFamily="18" charset="-122"/>
+                <a:sym typeface="Alibaba PuHuiTi" panose="00020600040101010101" pitchFamily="18" charset="-122"/>
+              </a:defRPr>
+            </a:lvl2pPr>
+            <a:lvl3pPr marL="1905000" marR="0" indent="-635000" algn="l" defTabSz="825500" latinLnBrk="0">
+              <a:lnSpc>
+                <a:spcPct val="100000"/>
+              </a:lnSpc>
+              <a:spcBef>
+                <a:spcPts val="1000"/>
+              </a:spcBef>
+              <a:spcAft>
+                <a:spcPts val="1000"/>
+              </a:spcAft>
+              <a:buClrTx/>
+              <a:buSzPct val="80000"/>
+              <a:buFont typeface="Wingdings" panose="05000000000000000000" pitchFamily="2" charset="2"/>
+              <a:buChar char="Ø"/>
+              <a:defRPr sz="3600" b="0" i="0" u="none" strike="noStrike" cap="none" spc="0" baseline="0">
+                <a:solidFill>
+                  <a:srgbClr val="FFFFFF"/>
+                </a:solidFill>
+                <a:uFillTx/>
+                <a:latin typeface="Helvetica" pitchFamily="2" charset="0"/>
+                <a:ea typeface="Alibaba PuHuiTi R" panose="00020600040101010101" pitchFamily="18" charset="-122"/>
+                <a:cs typeface="Alibaba PuHuiTi R" panose="00020600040101010101" pitchFamily="18" charset="-122"/>
+                <a:sym typeface="Alibaba PuHuiTi" panose="00020600040101010101" pitchFamily="18" charset="-122"/>
+              </a:defRPr>
+            </a:lvl3pPr>
+            <a:lvl4pPr marL="2540000" marR="0" indent="-635000" algn="l" defTabSz="825500" latinLnBrk="0">
+              <a:lnSpc>
+                <a:spcPct val="100000"/>
+              </a:lnSpc>
+              <a:spcBef>
+                <a:spcPts val="1000"/>
+              </a:spcBef>
+              <a:spcAft>
+                <a:spcPts val="1000"/>
+              </a:spcAft>
+              <a:buClrTx/>
+              <a:buSzPct val="80000"/>
+              <a:buFont typeface="Wingdings" panose="05000000000000000000" pitchFamily="2" charset="2"/>
+              <a:buChar char="Ø"/>
+              <a:defRPr sz="3600" b="0" i="0" u="none" strike="noStrike" cap="none" spc="0" baseline="0">
+                <a:solidFill>
+                  <a:srgbClr val="FFFFFF"/>
+                </a:solidFill>
+                <a:uFillTx/>
+                <a:latin typeface="Helvetica" pitchFamily="2" charset="0"/>
+                <a:ea typeface="Alibaba PuHuiTi R" panose="00020600040101010101" pitchFamily="18" charset="-122"/>
+                <a:cs typeface="Alibaba PuHuiTi R" panose="00020600040101010101" pitchFamily="18" charset="-122"/>
+                <a:sym typeface="Alibaba PuHuiTi" panose="00020600040101010101" pitchFamily="18" charset="-122"/>
+              </a:defRPr>
+            </a:lvl4pPr>
+            <a:lvl5pPr marL="3175000" marR="0" indent="-635000" algn="l" defTabSz="825500" latinLnBrk="0">
+              <a:lnSpc>
+                <a:spcPct val="100000"/>
+              </a:lnSpc>
+              <a:spcBef>
+                <a:spcPts val="1000"/>
+              </a:spcBef>
+              <a:spcAft>
+                <a:spcPts val="1000"/>
+              </a:spcAft>
+              <a:buClrTx/>
+              <a:buSzPct val="80000"/>
+              <a:buFont typeface="Wingdings" panose="05000000000000000000" pitchFamily="2" charset="2"/>
+              <a:buChar char="Ø"/>
+              <a:defRPr sz="3600" b="0" i="0" u="none" strike="noStrike" cap="none" spc="0" baseline="0">
+                <a:solidFill>
+                  <a:srgbClr val="FFFFFF"/>
+                </a:solidFill>
+                <a:uFillTx/>
+                <a:latin typeface="Helvetica" pitchFamily="2" charset="0"/>
+                <a:ea typeface="Alibaba PuHuiTi R" panose="00020600040101010101" pitchFamily="18" charset="-122"/>
+                <a:cs typeface="Alibaba PuHuiTi R" panose="00020600040101010101" pitchFamily="18" charset="-122"/>
+                <a:sym typeface="Alibaba PuHuiTi" panose="00020600040101010101" pitchFamily="18" charset="-122"/>
+              </a:defRPr>
+            </a:lvl5pPr>
+            <a:lvl6pPr marL="3677920" marR="0" indent="-502920" algn="l" defTabSz="825500" latinLnBrk="0">
+              <a:lnSpc>
+                <a:spcPct val="100000"/>
+              </a:lnSpc>
+              <a:spcBef>
+                <a:spcPts val="5900"/>
+              </a:spcBef>
+              <a:spcAft>
+                <a:spcPts val="0"/>
+              </a:spcAft>
+              <a:buClrTx/>
+              <a:buSzPct val="125000"/>
+              <a:buFontTx/>
+              <a:buChar char="•"/>
+              <a:defRPr sz="3800" b="0" i="0" u="none" strike="noStrike" cap="none" spc="0" baseline="0">
+                <a:solidFill>
+                  <a:srgbClr val="000000"/>
+                </a:solidFill>
+                <a:uFillTx/>
+                <a:latin typeface="Alibaba PuHuiTi R" panose="00020600040101010101" pitchFamily="18" charset="-122"/>
+                <a:ea typeface="Alibaba PuHuiTi R" panose="00020600040101010101" pitchFamily="18" charset="-122"/>
+                <a:cs typeface="Alibaba PuHuiTi R" panose="00020600040101010101" pitchFamily="18" charset="-122"/>
+                <a:sym typeface="Alibaba PuHuiTi" panose="00020600040101010101" pitchFamily="18" charset="-122"/>
+              </a:defRPr>
+            </a:lvl6pPr>
+            <a:lvl7pPr marL="4312920" marR="0" indent="-502920" algn="l" defTabSz="825500" latinLnBrk="0">
+              <a:lnSpc>
+                <a:spcPct val="100000"/>
+              </a:lnSpc>
+              <a:spcBef>
+                <a:spcPts val="5900"/>
+              </a:spcBef>
+              <a:spcAft>
+                <a:spcPts val="0"/>
+              </a:spcAft>
+              <a:buClrTx/>
+              <a:buSzPct val="125000"/>
+              <a:buFontTx/>
+              <a:buChar char="•"/>
+              <a:defRPr sz="3800" b="0" i="0" u="none" strike="noStrike" cap="none" spc="0" baseline="0">
+                <a:solidFill>
+                  <a:srgbClr val="000000"/>
+                </a:solidFill>
+                <a:uFillTx/>
+                <a:latin typeface="Alibaba PuHuiTi R" panose="00020600040101010101" pitchFamily="18" charset="-122"/>
+                <a:ea typeface="Alibaba PuHuiTi R" panose="00020600040101010101" pitchFamily="18" charset="-122"/>
+                <a:cs typeface="Alibaba PuHuiTi R" panose="00020600040101010101" pitchFamily="18" charset="-122"/>
+                <a:sym typeface="Alibaba PuHuiTi" panose="00020600040101010101" pitchFamily="18" charset="-122"/>
+              </a:defRPr>
+            </a:lvl7pPr>
+            <a:lvl8pPr marL="4947920" marR="0" indent="-502920" algn="l" defTabSz="825500" latinLnBrk="0">
+              <a:lnSpc>
+                <a:spcPct val="100000"/>
+              </a:lnSpc>
+              <a:spcBef>
+                <a:spcPts val="5900"/>
+              </a:spcBef>
+              <a:spcAft>
+                <a:spcPts val="0"/>
+              </a:spcAft>
+              <a:buClrTx/>
+              <a:buSzPct val="125000"/>
+              <a:buFontTx/>
+              <a:buChar char="•"/>
+              <a:defRPr sz="3800" b="0" i="0" u="none" strike="noStrike" cap="none" spc="0" baseline="0">
+                <a:solidFill>
+                  <a:srgbClr val="000000"/>
+                </a:solidFill>
+                <a:uFillTx/>
+                <a:latin typeface="Alibaba PuHuiTi R" panose="00020600040101010101" pitchFamily="18" charset="-122"/>
+                <a:ea typeface="Alibaba PuHuiTi R" panose="00020600040101010101" pitchFamily="18" charset="-122"/>
+                <a:cs typeface="Alibaba PuHuiTi R" panose="00020600040101010101" pitchFamily="18" charset="-122"/>
+                <a:sym typeface="Alibaba PuHuiTi" panose="00020600040101010101" pitchFamily="18" charset="-122"/>
+              </a:defRPr>
+            </a:lvl8pPr>
+            <a:lvl9pPr marL="5582920" marR="0" indent="-502920" algn="l" defTabSz="825500" latinLnBrk="0">
+              <a:lnSpc>
+                <a:spcPct val="100000"/>
+              </a:lnSpc>
+              <a:spcBef>
+                <a:spcPts val="5900"/>
+              </a:spcBef>
+              <a:spcAft>
+                <a:spcPts val="0"/>
+              </a:spcAft>
+              <a:buClrTx/>
+              <a:buSzPct val="125000"/>
+              <a:buFontTx/>
+              <a:buChar char="•"/>
+              <a:defRPr sz="3800" b="0" i="0" u="none" strike="noStrike" cap="none" spc="0" baseline="0">
+                <a:solidFill>
+                  <a:srgbClr val="000000"/>
+                </a:solidFill>
+                <a:uFillTx/>
+                <a:latin typeface="Alibaba PuHuiTi R" panose="00020600040101010101" pitchFamily="18" charset="-122"/>
+                <a:ea typeface="Alibaba PuHuiTi R" panose="00020600040101010101" pitchFamily="18" charset="-122"/>
+                <a:cs typeface="Alibaba PuHuiTi R" panose="00020600040101010101" pitchFamily="18" charset="-122"/>
+                <a:sym typeface="Alibaba PuHuiTi" panose="00020600040101010101" pitchFamily="18" charset="-122"/>
+              </a:defRPr>
+            </a:lvl9pPr>
+          </a:lstStyle>
+          <a:p>
+            <a:pPr hangingPunct="1"/>
+            <a:r>
+              <a:rPr lang="en" altLang="zh-TW" dirty="0">
+                <a:hlinkClick r:id="rId2"/>
+              </a:rPr>
+              <a:t>Go sync.Pool | Go </a:t>
+            </a:r>
+            <a:r>
+              <a:rPr lang="zh-TW" altLang="en-US" dirty="0">
+                <a:hlinkClick r:id="rId2"/>
+              </a:rPr>
+              <a:t>语言高性能编程</a:t>
+            </a:r>
+            <a:endParaRPr lang="en-US" altLang="zh-TW" dirty="0">
+              <a:hlinkClick r:id="rId2"/>
+            </a:endParaRPr>
+          </a:p>
+          <a:p>
+            <a:pPr hangingPunct="1"/>
+            <a:r>
+              <a:rPr lang="zh-TW" altLang="en-US" dirty="0">
+                <a:hlinkClick r:id="rId3"/>
+              </a:rPr>
+              <a:t>深度解密</a:t>
+            </a:r>
+            <a:r>
+              <a:rPr lang="en" altLang="zh-TW" dirty="0">
+                <a:hlinkClick r:id="rId3"/>
+              </a:rPr>
+              <a:t>Go </a:t>
+            </a:r>
+            <a:r>
+              <a:rPr lang="zh-TW" altLang="en-US" dirty="0">
+                <a:hlinkClick r:id="rId3"/>
+              </a:rPr>
+              <a:t>语言之</a:t>
+            </a:r>
+            <a:r>
+              <a:rPr lang="en" altLang="zh-TW" dirty="0">
+                <a:hlinkClick r:id="rId3"/>
+              </a:rPr>
+              <a:t>sync.Pool </a:t>
+            </a:r>
+          </a:p>
+          <a:p>
+            <a:pPr hangingPunct="1"/>
+            <a:r>
+              <a:rPr lang="zh-TW" altLang="en-US" dirty="0">
+                <a:hlinkClick r:id="rId4"/>
+              </a:rPr>
+              <a:t>一文帶你搞懂</a:t>
+            </a:r>
+            <a:r>
+              <a:rPr lang="en" altLang="zh-TW" dirty="0">
+                <a:hlinkClick r:id="rId4"/>
+              </a:rPr>
+              <a:t>Go pprof</a:t>
+            </a:r>
+          </a:p>
+          <a:p>
+            <a:pPr hangingPunct="1"/>
+            <a:r>
+              <a:rPr lang="en" altLang="zh-TW" dirty="0">
+                <a:hlinkClick r:id="rId5"/>
+              </a:rPr>
+              <a:t>go</a:t>
+            </a:r>
+            <a:r>
+              <a:rPr lang="zh-TW" altLang="en-US" dirty="0">
+                <a:hlinkClick r:id="rId5"/>
+              </a:rPr>
+              <a:t>语言最全优化技巧总结</a:t>
+            </a:r>
+          </a:p>
+          <a:p>
+            <a:pPr hangingPunct="1"/>
+            <a:endParaRPr lang="en" altLang="zh-TW" dirty="0">
+              <a:hlinkClick r:id="rId4"/>
+            </a:endParaRPr>
+          </a:p>
+          <a:p>
+            <a:pPr hangingPunct="1"/>
+            <a:endParaRPr lang="en" altLang="zh-TW" dirty="0">
+              <a:hlinkClick r:id="rId3"/>
+            </a:endParaRPr>
+          </a:p>
+          <a:p>
+            <a:pPr hangingPunct="1"/>
+            <a:endParaRPr lang="zh-TW" altLang="en-US" dirty="0">
+              <a:hlinkClick r:id="rId2"/>
+            </a:endParaRPr>
+          </a:p>
+        </p:txBody>
+      </p:sp>
+      <p:sp>
+        <p:nvSpPr>
+          <p:cNvPr id="3" name="标题 5">
+            <a:extLst>
+              <a:ext uri="{FF2B5EF4-FFF2-40B4-BE49-F238E27FC236}">
+                <a16:creationId xmlns:a16="http://schemas.microsoft.com/office/drawing/2014/main" id="{25DF05B8-3D4D-A24A-AE89-2574D81F9CDD}"/>
+              </a:ext>
+            </a:extLst>
+          </p:cNvPr>
+          <p:cNvSpPr>
+            <a:spLocks noGrp="1"/>
+          </p:cNvSpPr>
+          <p:nvPr>
+            <p:ph type="title"/>
+          </p:nvPr>
+        </p:nvSpPr>
+        <p:spPr>
+          <a:xfrm>
+            <a:off x="2462400" y="979200"/>
+            <a:ext cx="19458000" cy="1310400"/>
+          </a:xfrm>
+        </p:spPr>
+        <p:txBody>
+          <a:bodyPr/>
+          <a:lstStyle/>
+          <a:p>
+            <a:r>
+              <a:rPr kumimoji="1" lang="en-US" altLang="zh-TW" dirty="0"/>
+              <a:t>Reference</a:t>
+            </a:r>
+            <a:endParaRPr kumimoji="1" lang="en-US" altLang="zh-CN" dirty="0"/>
+          </a:p>
+        </p:txBody>
+      </p:sp>
+    </p:spTree>
+    <p:extLst>
+      <p:ext uri="{BB962C8B-B14F-4D97-AF65-F5344CB8AC3E}">
+        <p14:creationId xmlns:p14="http://schemas.microsoft.com/office/powerpoint/2010/main" val="3571810034"/>
+      </p:ext>
+    </p:extLst>
   </p:cSld>
   <p:clrMapOvr>
     <a:masterClrMapping/>
